--- a/Week03/Project/Week3.pptx
+++ b/Week03/Project/Week3.pptx
@@ -109,6 +109,11 @@
       </a:defRPr>
     </a:lvl9pPr>
   </p:defaultTextStyle>
+  <p:extLst>
+    <p:ext uri="{EFAFB233-063F-42B5-8137-9DF3F51BA10A}">
+      <p15:sldGuideLst xmlns:p15="http://schemas.microsoft.com/office/powerpoint/2012/main"/>
+    </p:ext>
+  </p:extLst>
 </p:presentation>
 </file>
 
@@ -259,7 +264,7 @@
           <a:p>
             <a:fld id="{EAB004EE-75B7-2F44-84F3-B5525A1EE583}" type="datetimeFigureOut">
               <a:rPr lang="en-US" smtClean="0"/>
-              <a:t>2/10/23</a:t>
+              <a:t>2/13/23</a:t>
             </a:fld>
             <a:endParaRPr lang="en-US"/>
           </a:p>
@@ -457,7 +462,7 @@
           <a:p>
             <a:fld id="{EAB004EE-75B7-2F44-84F3-B5525A1EE583}" type="datetimeFigureOut">
               <a:rPr lang="en-US" smtClean="0"/>
-              <a:t>2/10/23</a:t>
+              <a:t>2/13/23</a:t>
             </a:fld>
             <a:endParaRPr lang="en-US"/>
           </a:p>
@@ -665,7 +670,7 @@
           <a:p>
             <a:fld id="{EAB004EE-75B7-2F44-84F3-B5525A1EE583}" type="datetimeFigureOut">
               <a:rPr lang="en-US" smtClean="0"/>
-              <a:t>2/10/23</a:t>
+              <a:t>2/13/23</a:t>
             </a:fld>
             <a:endParaRPr lang="en-US"/>
           </a:p>
@@ -863,7 +868,7 @@
           <a:p>
             <a:fld id="{EAB004EE-75B7-2F44-84F3-B5525A1EE583}" type="datetimeFigureOut">
               <a:rPr lang="en-US" smtClean="0"/>
-              <a:t>2/10/23</a:t>
+              <a:t>2/13/23</a:t>
             </a:fld>
             <a:endParaRPr lang="en-US"/>
           </a:p>
@@ -1138,7 +1143,7 @@
           <a:p>
             <a:fld id="{EAB004EE-75B7-2F44-84F3-B5525A1EE583}" type="datetimeFigureOut">
               <a:rPr lang="en-US" smtClean="0"/>
-              <a:t>2/10/23</a:t>
+              <a:t>2/13/23</a:t>
             </a:fld>
             <a:endParaRPr lang="en-US"/>
           </a:p>
@@ -1403,7 +1408,7 @@
           <a:p>
             <a:fld id="{EAB004EE-75B7-2F44-84F3-B5525A1EE583}" type="datetimeFigureOut">
               <a:rPr lang="en-US" smtClean="0"/>
-              <a:t>2/10/23</a:t>
+              <a:t>2/13/23</a:t>
             </a:fld>
             <a:endParaRPr lang="en-US"/>
           </a:p>
@@ -1815,7 +1820,7 @@
           <a:p>
             <a:fld id="{EAB004EE-75B7-2F44-84F3-B5525A1EE583}" type="datetimeFigureOut">
               <a:rPr lang="en-US" smtClean="0"/>
-              <a:t>2/10/23</a:t>
+              <a:t>2/13/23</a:t>
             </a:fld>
             <a:endParaRPr lang="en-US"/>
           </a:p>
@@ -1956,7 +1961,7 @@
           <a:p>
             <a:fld id="{EAB004EE-75B7-2F44-84F3-B5525A1EE583}" type="datetimeFigureOut">
               <a:rPr lang="en-US" smtClean="0"/>
-              <a:t>2/10/23</a:t>
+              <a:t>2/13/23</a:t>
             </a:fld>
             <a:endParaRPr lang="en-US"/>
           </a:p>
@@ -2069,7 +2074,7 @@
           <a:p>
             <a:fld id="{EAB004EE-75B7-2F44-84F3-B5525A1EE583}" type="datetimeFigureOut">
               <a:rPr lang="en-US" smtClean="0"/>
-              <a:t>2/10/23</a:t>
+              <a:t>2/13/23</a:t>
             </a:fld>
             <a:endParaRPr lang="en-US"/>
           </a:p>
@@ -2380,7 +2385,7 @@
           <a:p>
             <a:fld id="{EAB004EE-75B7-2F44-84F3-B5525A1EE583}" type="datetimeFigureOut">
               <a:rPr lang="en-US" smtClean="0"/>
-              <a:t>2/10/23</a:t>
+              <a:t>2/13/23</a:t>
             </a:fld>
             <a:endParaRPr lang="en-US"/>
           </a:p>
@@ -2668,7 +2673,7 @@
           <a:p>
             <a:fld id="{EAB004EE-75B7-2F44-84F3-B5525A1EE583}" type="datetimeFigureOut">
               <a:rPr lang="en-US" smtClean="0"/>
-              <a:t>2/10/23</a:t>
+              <a:t>2/13/23</a:t>
             </a:fld>
             <a:endParaRPr lang="en-US"/>
           </a:p>
@@ -2909,7 +2914,7 @@
           <a:p>
             <a:fld id="{EAB004EE-75B7-2F44-84F3-B5525A1EE583}" type="datetimeFigureOut">
               <a:rPr lang="en-US" smtClean="0"/>
-              <a:t>2/10/23</a:t>
+              <a:t>2/13/23</a:t>
             </a:fld>
             <a:endParaRPr lang="en-US"/>
           </a:p>
@@ -3795,7 +3800,9 @@
         </p:nvSpPr>
         <p:spPr/>
         <p:txBody>
-          <a:bodyPr/>
+          <a:bodyPr>
+            <a:normAutofit/>
+          </a:bodyPr>
           <a:lstStyle/>
           <a:p>
             <a:pPr marL="0" indent="0">
@@ -3803,7 +3810,7 @@
             </a:pPr>
             <a:r>
               <a:rPr lang="en-US" dirty="0"/>
-              <a:t>1. Generate exponentially weighted covariance matrix using the same way as in problem1</a:t>
+              <a:t>Step 1. Generate exponentially weighted covariance matrix using the same way as in problem1</a:t>
             </a:r>
           </a:p>
           <a:p>
@@ -3812,74 +3819,54 @@
             </a:pPr>
             <a:r>
               <a:rPr lang="en-US" dirty="0"/>
-              <a:t>2. Using build-in function to generate four combinations:</a:t>
+              <a:t>Step 2. Using build-in function to generate four combinations:</a:t>
             </a:r>
           </a:p>
           <a:p>
             <a:pPr marL="0" indent="0">
               <a:buNone/>
             </a:pPr>
-            <a:endParaRPr lang="en-US" dirty="0"/>
+            <a:r>
+              <a:rPr lang="en-US" dirty="0"/>
+              <a:t>     1) Generating exponentially weighted covariance </a:t>
+            </a:r>
+            <a:r>
+              <a:rPr lang="en-US" dirty="0" err="1"/>
+              <a:t>metrix</a:t>
+            </a:r>
+            <a:r>
+              <a:rPr lang="en-US" dirty="0"/>
+              <a:t> and normal covariance matrix</a:t>
+            </a:r>
           </a:p>
           <a:p>
             <a:pPr marL="0" indent="0">
               <a:buNone/>
             </a:pPr>
-            <a:endParaRPr lang="en-US" dirty="0"/>
+            <a:r>
+              <a:rPr lang="en-US" dirty="0"/>
+              <a:t>     2) Then we use function var() and </a:t>
+            </a:r>
+            <a:r>
+              <a:rPr lang="en-US" dirty="0" err="1"/>
+              <a:t>corr</a:t>
+            </a:r>
+            <a:r>
+              <a:rPr lang="en-US" dirty="0"/>
+              <a:t>() to calculate covariance function</a:t>
+            </a:r>
           </a:p>
           <a:p>
             <a:pPr marL="0" indent="0">
               <a:buNone/>
             </a:pPr>
-            <a:endParaRPr lang="en-US" dirty="0"/>
-          </a:p>
-          <a:p>
-            <a:pPr marL="0" indent="0">
-              <a:buNone/>
-            </a:pPr>
-            <a:endParaRPr lang="en-US" dirty="0"/>
-          </a:p>
-          <a:p>
-            <a:pPr marL="0" indent="0">
-              <a:buNone/>
-            </a:pPr>
             <a:r>
               <a:rPr lang="en-US" dirty="0"/>
-              <a:t>3. Using PCA to filter eigenvalues and compute the result</a:t>
-            </a:r>
-          </a:p>
-        </p:txBody>
-      </p:sp>
-      <p:pic>
-        <p:nvPicPr>
-          <p:cNvPr id="5" name="Picture 4">
-            <a:extLst>
-              <a:ext uri="{FF2B5EF4-FFF2-40B4-BE49-F238E27FC236}">
-                <a16:creationId xmlns:a16="http://schemas.microsoft.com/office/drawing/2014/main" id="{BBAFA24C-C6D5-AB43-8E79-6716974BF77E}"/>
-              </a:ext>
-            </a:extLst>
-          </p:cNvPr>
-          <p:cNvPicPr>
-            <a:picLocks noChangeAspect="1"/>
-          </p:cNvPicPr>
-          <p:nvPr/>
-        </p:nvPicPr>
-        <p:blipFill>
-          <a:blip r:embed="rId2"/>
-          <a:stretch>
-            <a:fillRect/>
-          </a:stretch>
-        </p:blipFill>
-        <p:spPr>
-          <a:xfrm>
-            <a:off x="1927118" y="3165796"/>
-            <a:ext cx="7289800" cy="1841500"/>
-          </a:xfrm>
-          <a:prstGeom prst="rect">
-            <a:avLst/>
-          </a:prstGeom>
-        </p:spPr>
-      </p:pic>
+              <a:t>Step 3. Using PCA to filter eigenvalues and compute the result</a:t>
+            </a:r>
+          </a:p>
+        </p:txBody>
+      </p:sp>
     </p:spTree>
     <p:extLst>
       <p:ext uri="{BB962C8B-B14F-4D97-AF65-F5344CB8AC3E}">
